--- a/contents/2020_ITinerary/assets/session_4/labsession.pptx
+++ b/contents/2020_ITinerary/assets/session_4/labsession.pptx
@@ -952,6 +952,23 @@
               <a:t>game: poop game</a:t>
             </a:r>
           </a:p>
+          <a:p>
+            <a:endParaRPr lang="en-US" altLang="ko-KR"/>
+          </a:p>
+          <a:p>
+            <a:r>
+              <a:rPr lang="en-US" altLang="ko-KR"/>
+              <a:t>in</a:t>
+            </a:r>
+            <a:r>
+              <a:rPr lang="ko-KR" altLang="en-US"/>
+              <a:t> </a:t>
+            </a:r>
+            <a:r>
+              <a:rPr lang="en-US" altLang="ko-KR"/>
+              <a:t>this game, you should avoid the falling poops, let me show the example of the sample solution</a:t>
+            </a:r>
+          </a:p>
         </p:txBody>
       </p:sp>
       <p:sp>
@@ -1036,39 +1053,31 @@
           <a:p>
             <a:r>
               <a:rPr lang="en-US" altLang="ko-KR"/>
-              <a:t>We</a:t>
-            </a:r>
-            <a:r>
-              <a:rPr lang="ko-KR" altLang="en-US"/>
-              <a:t> </a:t>
-            </a:r>
-            <a:r>
-              <a:rPr lang="en-US" altLang="ko-KR"/>
-              <a:t>will</a:t>
-            </a:r>
-            <a:r>
-              <a:rPr lang="ko-KR" altLang="en-US"/>
-              <a:t> </a:t>
-            </a:r>
-            <a:r>
-              <a:rPr lang="en-US" altLang="ko-KR"/>
-              <a:t>make</a:t>
-            </a:r>
-            <a:r>
-              <a:rPr lang="ko-KR" altLang="en-US"/>
-              <a:t> </a:t>
-            </a:r>
-            <a:r>
-              <a:rPr lang="en-US" altLang="ko-KR"/>
-              <a:t>a</a:t>
-            </a:r>
-            <a:r>
-              <a:rPr lang="ko-KR" altLang="en-US"/>
-              <a:t> </a:t>
-            </a:r>
-            <a:r>
-              <a:rPr lang="en-US" altLang="ko-KR"/>
-              <a:t>game: poop game</a:t>
+              <a:t>so, What should we do, for making this game?</a:t>
+            </a:r>
+          </a:p>
+          <a:p>
+            <a:endParaRPr lang="en-US" altLang="ko-KR"/>
+          </a:p>
+          <a:p>
+            <a:r>
+              <a:rPr lang="en-US" altLang="ko-KR"/>
+              <a:t>First, it contains some randomization. such as initial location of poop, period of poop generatation</a:t>
+            </a:r>
+          </a:p>
+          <a:p>
+            <a:r>
+              <a:rPr lang="en-US" altLang="ko-KR"/>
+              <a:t>, speed of flling, and something else</a:t>
+            </a:r>
+          </a:p>
+          <a:p>
+            <a:endParaRPr lang="en-US" altLang="ko-KR"/>
+          </a:p>
+          <a:p>
+            <a:r>
+              <a:rPr lang="en-US" altLang="ko-KR"/>
+              <a:t>to make a random number, you can import random library, and use random dot randint function</a:t>
             </a:r>
           </a:p>
         </p:txBody>
@@ -1110,6 +1119,315 @@
 </file>
 
 <file path=ppt/notesSlides/notesSlide6.xml><?xml version="1.0" encoding="utf-8"?>
+<p:notes xmlns:a="http://schemas.openxmlformats.org/drawingml/2006/main" xmlns:r="http://schemas.openxmlformats.org/officeDocument/2006/relationships" xmlns:p="http://schemas.openxmlformats.org/presentationml/2006/main">
+  <p:cSld>
+    <p:spTree>
+      <p:nvGrpSpPr>
+        <p:cNvPr id="1" name=""/>
+        <p:cNvGrpSpPr/>
+        <p:nvPr/>
+      </p:nvGrpSpPr>
+      <p:grpSpPr>
+        <a:xfrm>
+          <a:off x="0" y="0"/>
+          <a:ext cx="0" cy="0"/>
+          <a:chOff x="0" y="0"/>
+          <a:chExt cx="0" cy="0"/>
+        </a:xfrm>
+      </p:grpSpPr>
+      <p:sp>
+        <p:nvSpPr>
+          <p:cNvPr id="2" name="Slide Image Placeholder 1"/>
+          <p:cNvSpPr>
+            <a:spLocks noGrp="1" noRot="1" noChangeAspect="1"/>
+          </p:cNvSpPr>
+          <p:nvPr>
+            <p:ph type="sldImg"/>
+          </p:nvPr>
+        </p:nvSpPr>
+        <p:spPr/>
+      </p:sp>
+      <p:sp>
+        <p:nvSpPr>
+          <p:cNvPr id="3" name="Notes Placeholder 2"/>
+          <p:cNvSpPr>
+            <a:spLocks noGrp="1"/>
+          </p:cNvSpPr>
+          <p:nvPr>
+            <p:ph type="body" idx="1"/>
+          </p:nvPr>
+        </p:nvSpPr>
+        <p:spPr/>
+        <p:txBody>
+          <a:bodyPr/>
+          <a:lstStyle/>
+          <a:p>
+            <a:r>
+              <a:rPr lang="en-US" altLang="ko-KR"/>
+              <a:t>And then, your character should be able to move, by pressing left key and right key, right?</a:t>
+            </a:r>
+          </a:p>
+          <a:p>
+            <a:endParaRPr lang="en-US" altLang="ko-KR"/>
+          </a:p>
+          <a:p>
+            <a:r>
+              <a:rPr lang="en-US" altLang="ko-KR"/>
+              <a:t>the detail implementation is in the preclass and exercise. so please refer to this, although I will explain this again in the lab session </a:t>
+            </a:r>
+          </a:p>
+          <a:p>
+            <a:endParaRPr lang="en-US" altLang="ko-KR"/>
+          </a:p>
+        </p:txBody>
+      </p:sp>
+      <p:sp>
+        <p:nvSpPr>
+          <p:cNvPr id="4" name="Slide Number Placeholder 3"/>
+          <p:cNvSpPr>
+            <a:spLocks noGrp="1"/>
+          </p:cNvSpPr>
+          <p:nvPr>
+            <p:ph type="sldNum" sz="quarter" idx="5"/>
+          </p:nvPr>
+        </p:nvSpPr>
+        <p:spPr/>
+        <p:txBody>
+          <a:bodyPr/>
+          <a:lstStyle/>
+          <a:p>
+            <a:fld id="{A248A177-227F-4E2F-A815-394152F0E3B8}" type="slidenum">
+              <a:rPr lang="ko-KR" altLang="en-US" smtClean="0"/>
+              <a:t>6</a:t>
+            </a:fld>
+            <a:endParaRPr lang="ko-KR" altLang="en-US"/>
+          </a:p>
+        </p:txBody>
+      </p:sp>
+    </p:spTree>
+    <p:extLst>
+      <p:ext uri="{BB962C8B-B14F-4D97-AF65-F5344CB8AC3E}">
+        <p14:creationId xmlns:p14="http://schemas.microsoft.com/office/powerpoint/2010/main" val="298313941"/>
+      </p:ext>
+    </p:extLst>
+  </p:cSld>
+  <p:clrMapOvr>
+    <a:masterClrMapping/>
+  </p:clrMapOvr>
+</p:notes>
+</file>
+
+<file path=ppt/notesSlides/notesSlide7.xml><?xml version="1.0" encoding="utf-8"?>
+<p:notes xmlns:a="http://schemas.openxmlformats.org/drawingml/2006/main" xmlns:r="http://schemas.openxmlformats.org/officeDocument/2006/relationships" xmlns:p="http://schemas.openxmlformats.org/presentationml/2006/main">
+  <p:cSld>
+    <p:spTree>
+      <p:nvGrpSpPr>
+        <p:cNvPr id="1" name=""/>
+        <p:cNvGrpSpPr/>
+        <p:nvPr/>
+      </p:nvGrpSpPr>
+      <p:grpSpPr>
+        <a:xfrm>
+          <a:off x="0" y="0"/>
+          <a:ext cx="0" cy="0"/>
+          <a:chOff x="0" y="0"/>
+          <a:chExt cx="0" cy="0"/>
+        </a:xfrm>
+      </p:grpSpPr>
+      <p:sp>
+        <p:nvSpPr>
+          <p:cNvPr id="2" name="Slide Image Placeholder 1"/>
+          <p:cNvSpPr>
+            <a:spLocks noGrp="1" noRot="1" noChangeAspect="1"/>
+          </p:cNvSpPr>
+          <p:nvPr>
+            <p:ph type="sldImg"/>
+          </p:nvPr>
+        </p:nvSpPr>
+        <p:spPr/>
+      </p:sp>
+      <p:sp>
+        <p:nvSpPr>
+          <p:cNvPr id="3" name="Notes Placeholder 2"/>
+          <p:cNvSpPr>
+            <a:spLocks noGrp="1"/>
+          </p:cNvSpPr>
+          <p:nvPr>
+            <p:ph type="body" idx="1"/>
+          </p:nvPr>
+        </p:nvSpPr>
+        <p:spPr/>
+        <p:txBody>
+          <a:bodyPr/>
+          <a:lstStyle/>
+          <a:p>
+            <a:r>
+              <a:rPr lang="en-US" altLang="ko-KR"/>
+              <a:t>In the skeleton code, the poop is defined as a class</a:t>
+            </a:r>
+          </a:p>
+          <a:p>
+            <a:endParaRPr lang="en-US" altLang="ko-KR"/>
+          </a:p>
+          <a:p>
+            <a:r>
+              <a:rPr lang="en-US" altLang="ko-KR"/>
+              <a:t>the poop should be generated with some random period</a:t>
+            </a:r>
+          </a:p>
+          <a:p>
+            <a:r>
+              <a:rPr lang="en-US" altLang="ko-KR"/>
+              <a:t>and fall continuously, until it drops to the ground</a:t>
+            </a:r>
+          </a:p>
+          <a:p>
+            <a:r>
+              <a:rPr lang="en-US" altLang="ko-KR"/>
+              <a:t>and then, if the poop and character collide with each other, then the game will be over. right?</a:t>
+            </a:r>
+          </a:p>
+          <a:p>
+            <a:endParaRPr lang="ko-KR" altLang="en-US"/>
+          </a:p>
+        </p:txBody>
+      </p:sp>
+      <p:sp>
+        <p:nvSpPr>
+          <p:cNvPr id="4" name="Slide Number Placeholder 3"/>
+          <p:cNvSpPr>
+            <a:spLocks noGrp="1"/>
+          </p:cNvSpPr>
+          <p:nvPr>
+            <p:ph type="sldNum" sz="quarter" idx="5"/>
+          </p:nvPr>
+        </p:nvSpPr>
+        <p:spPr/>
+        <p:txBody>
+          <a:bodyPr/>
+          <a:lstStyle/>
+          <a:p>
+            <a:fld id="{A248A177-227F-4E2F-A815-394152F0E3B8}" type="slidenum">
+              <a:rPr lang="ko-KR" altLang="en-US" smtClean="0"/>
+              <a:t>7</a:t>
+            </a:fld>
+            <a:endParaRPr lang="ko-KR" altLang="en-US"/>
+          </a:p>
+        </p:txBody>
+      </p:sp>
+    </p:spTree>
+    <p:extLst>
+      <p:ext uri="{BB962C8B-B14F-4D97-AF65-F5344CB8AC3E}">
+        <p14:creationId xmlns:p14="http://schemas.microsoft.com/office/powerpoint/2010/main" val="3948145947"/>
+      </p:ext>
+    </p:extLst>
+  </p:cSld>
+  <p:clrMapOvr>
+    <a:masterClrMapping/>
+  </p:clrMapOvr>
+</p:notes>
+</file>
+
+<file path=ppt/notesSlides/notesSlide8.xml><?xml version="1.0" encoding="utf-8"?>
+<p:notes xmlns:a="http://schemas.openxmlformats.org/drawingml/2006/main" xmlns:r="http://schemas.openxmlformats.org/officeDocument/2006/relationships" xmlns:p="http://schemas.openxmlformats.org/presentationml/2006/main">
+  <p:cSld>
+    <p:spTree>
+      <p:nvGrpSpPr>
+        <p:cNvPr id="1" name=""/>
+        <p:cNvGrpSpPr/>
+        <p:nvPr/>
+      </p:nvGrpSpPr>
+      <p:grpSpPr>
+        <a:xfrm>
+          <a:off x="0" y="0"/>
+          <a:ext cx="0" cy="0"/>
+          <a:chOff x="0" y="0"/>
+          <a:chExt cx="0" cy="0"/>
+        </a:xfrm>
+      </p:grpSpPr>
+      <p:sp>
+        <p:nvSpPr>
+          <p:cNvPr id="2" name="Slide Image Placeholder 1"/>
+          <p:cNvSpPr>
+            <a:spLocks noGrp="1" noRot="1" noChangeAspect="1"/>
+          </p:cNvSpPr>
+          <p:nvPr>
+            <p:ph type="sldImg"/>
+          </p:nvPr>
+        </p:nvSpPr>
+        <p:spPr/>
+      </p:sp>
+      <p:sp>
+        <p:nvSpPr>
+          <p:cNvPr id="3" name="Notes Placeholder 2"/>
+          <p:cNvSpPr>
+            <a:spLocks noGrp="1"/>
+          </p:cNvSpPr>
+          <p:nvPr>
+            <p:ph type="body" idx="1"/>
+          </p:nvPr>
+        </p:nvSpPr>
+        <p:spPr/>
+        <p:txBody>
+          <a:bodyPr/>
+          <a:lstStyle/>
+          <a:p>
+            <a:r>
+              <a:rPr lang="en-US" altLang="ko-KR"/>
+              <a:t>You can download the skeleton code, and some images. from the page</a:t>
+            </a:r>
+          </a:p>
+          <a:p>
+            <a:endParaRPr lang="en-US" altLang="ko-KR"/>
+          </a:p>
+          <a:p>
+            <a:r>
+              <a:rPr lang="en-US" altLang="ko-KR"/>
+              <a:t>and don’t forget to save the file in your project directory</a:t>
+            </a:r>
+          </a:p>
+          <a:p>
+            <a:endParaRPr lang="ko-KR" altLang="en-US"/>
+          </a:p>
+        </p:txBody>
+      </p:sp>
+      <p:sp>
+        <p:nvSpPr>
+          <p:cNvPr id="4" name="Slide Number Placeholder 3"/>
+          <p:cNvSpPr>
+            <a:spLocks noGrp="1"/>
+          </p:cNvSpPr>
+          <p:nvPr>
+            <p:ph type="sldNum" sz="quarter" idx="5"/>
+          </p:nvPr>
+        </p:nvSpPr>
+        <p:spPr/>
+        <p:txBody>
+          <a:bodyPr/>
+          <a:lstStyle/>
+          <a:p>
+            <a:fld id="{A248A177-227F-4E2F-A815-394152F0E3B8}" type="slidenum">
+              <a:rPr lang="ko-KR" altLang="en-US" smtClean="0"/>
+              <a:t>8</a:t>
+            </a:fld>
+            <a:endParaRPr lang="ko-KR" altLang="en-US"/>
+          </a:p>
+        </p:txBody>
+      </p:sp>
+    </p:spTree>
+    <p:extLst>
+      <p:ext uri="{BB962C8B-B14F-4D97-AF65-F5344CB8AC3E}">
+        <p14:creationId xmlns:p14="http://schemas.microsoft.com/office/powerpoint/2010/main" val="714113526"/>
+      </p:ext>
+    </p:extLst>
+  </p:cSld>
+  <p:clrMapOvr>
+    <a:masterClrMapping/>
+  </p:clrMapOvr>
+</p:notes>
+</file>
+
+<file path=ppt/notesSlides/notesSlide9.xml><?xml version="1.0" encoding="utf-8"?>
 <p:notes xmlns:a="http://schemas.openxmlformats.org/drawingml/2006/main" xmlns:r="http://schemas.openxmlformats.org/officeDocument/2006/relationships" xmlns:p="http://schemas.openxmlformats.org/presentationml/2006/main">
   <p:cSld>
     <p:spTree>
@@ -5595,7 +5913,7 @@
           <p:nvPr/>
         </p:nvPicPr>
         <p:blipFill>
-          <a:blip r:embed="rId2"/>
+          <a:blip r:embed="rId3"/>
           <a:stretch>
             <a:fillRect/>
           </a:stretch>
@@ -5692,14 +6010,14 @@
           <a:p>
             <a:r>
               <a:rPr lang="en-US" altLang="ko-KR" b="1"/>
-              <a:t>We uploaded skeletonn code and some images to the page</a:t>
+              <a:t>We uploaded skeleton code and some images to the page</a:t>
             </a:r>
           </a:p>
           <a:p>
             <a:pPr lvl="1"/>
             <a:r>
               <a:rPr lang="en-US" altLang="ko-KR">
-                <a:hlinkClick r:id="rId2"/>
+                <a:hlinkClick r:id="rId3"/>
               </a:rPr>
               <a:t>https://eunseong-park.github.io/itinerary/posts/pygame</a:t>
             </a:r>
@@ -5761,7 +6079,7 @@
           <p:nvPr/>
         </p:nvPicPr>
         <p:blipFill>
-          <a:blip r:embed="rId3"/>
+          <a:blip r:embed="rId4"/>
           <a:stretch>
             <a:fillRect/>
           </a:stretch>
@@ -5776,9 +6094,9 @@
           </a:prstGeom>
         </p:spPr>
       </p:pic>
-      <mc:AlternateContent xmlns:mc="http://schemas.openxmlformats.org/markup-compatibility/2006">
-        <mc:Choice xmlns:p14="http://schemas.microsoft.com/office/powerpoint/2010/main" Requires="p14">
-          <p:contentPart p14:bwMode="auto" r:id="rId4">
+      <mc:AlternateContent xmlns:mc="http://schemas.openxmlformats.org/markup-compatibility/2006" xmlns:p14="http://schemas.microsoft.com/office/powerpoint/2010/main">
+        <mc:Choice Requires="p14">
+          <p:contentPart p14:bwMode="auto" r:id="rId5">
             <p14:nvContentPartPr>
               <p14:cNvPr id="9" name="Ink 8">
                 <a:extLst>
@@ -5796,7 +6114,7 @@
             </p14:xfrm>
           </p:contentPart>
         </mc:Choice>
-        <mc:Fallback>
+        <mc:Fallback xmlns="">
           <p:pic>
             <p:nvPicPr>
               <p:cNvPr id="9" name="Ink 8">
@@ -5810,7 +6128,7 @@
               <p:nvPr/>
             </p:nvPicPr>
             <p:blipFill>
-              <a:blip r:embed="rId5"/>
+              <a:blip r:embed="rId6"/>
               <a:stretch>
                 <a:fillRect/>
               </a:stretch>
@@ -5827,9 +6145,9 @@
           </p:pic>
         </mc:Fallback>
       </mc:AlternateContent>
-      <mc:AlternateContent xmlns:mc="http://schemas.openxmlformats.org/markup-compatibility/2006">
-        <mc:Choice xmlns:p14="http://schemas.microsoft.com/office/powerpoint/2010/main" Requires="p14">
-          <p:contentPart p14:bwMode="auto" r:id="rId6">
+      <mc:AlternateContent xmlns:mc="http://schemas.openxmlformats.org/markup-compatibility/2006" xmlns:p14="http://schemas.microsoft.com/office/powerpoint/2010/main">
+        <mc:Choice Requires="p14">
+          <p:contentPart p14:bwMode="auto" r:id="rId7">
             <p14:nvContentPartPr>
               <p14:cNvPr id="10" name="Ink 9">
                 <a:extLst>
@@ -5847,7 +6165,7 @@
             </p14:xfrm>
           </p:contentPart>
         </mc:Choice>
-        <mc:Fallback>
+        <mc:Fallback xmlns="">
           <p:pic>
             <p:nvPicPr>
               <p:cNvPr id="10" name="Ink 9">
@@ -5861,7 +6179,7 @@
               <p:nvPr/>
             </p:nvPicPr>
             <p:blipFill>
-              <a:blip r:embed="rId7"/>
+              <a:blip r:embed="rId8"/>
               <a:stretch>
                 <a:fillRect/>
               </a:stretch>
@@ -5878,9 +6196,9 @@
           </p:pic>
         </mc:Fallback>
       </mc:AlternateContent>
-      <mc:AlternateContent xmlns:mc="http://schemas.openxmlformats.org/markup-compatibility/2006">
-        <mc:Choice xmlns:p14="http://schemas.microsoft.com/office/powerpoint/2010/main" Requires="p14">
-          <p:contentPart p14:bwMode="auto" r:id="rId8">
+      <mc:AlternateContent xmlns:mc="http://schemas.openxmlformats.org/markup-compatibility/2006" xmlns:p14="http://schemas.microsoft.com/office/powerpoint/2010/main">
+        <mc:Choice Requires="p14">
+          <p:contentPart p14:bwMode="auto" r:id="rId9">
             <p14:nvContentPartPr>
               <p14:cNvPr id="11" name="Ink 10">
                 <a:extLst>
@@ -5898,7 +6216,7 @@
             </p14:xfrm>
           </p:contentPart>
         </mc:Choice>
-        <mc:Fallback>
+        <mc:Fallback xmlns="">
           <p:pic>
             <p:nvPicPr>
               <p:cNvPr id="11" name="Ink 10">
@@ -5912,7 +6230,7 @@
               <p:nvPr/>
             </p:nvPicPr>
             <p:blipFill>
-              <a:blip r:embed="rId9"/>
+              <a:blip r:embed="rId10"/>
               <a:stretch>
                 <a:fillRect/>
               </a:stretch>
